--- a/화면설계.pptx
+++ b/화면설계.pptx
@@ -104,6 +104,11 @@
       </a:defRPr>
     </a:lvl9pPr>
   </p:defaultTextStyle>
+  <p:extLst>
+    <p:ext uri="{EFAFB233-063F-42B5-8137-9DF3F51BA10A}">
+      <p15:sldGuideLst xmlns:p15="http://schemas.microsoft.com/office/powerpoint/2012/main"/>
+    </p:ext>
+  </p:extLst>
 </p:presentation>
 </file>
 
@@ -2972,8 +2977,8 @@
         </p:nvSpPr>
         <p:spPr>
           <a:xfrm>
-            <a:off x="709301" y="1264778"/>
-            <a:ext cx="1107996" cy="646331"/>
+            <a:off x="5212935" y="1837346"/>
+            <a:ext cx="1107996" cy="1200329"/>
           </a:xfrm>
           <a:prstGeom prst="rect">
             <a:avLst/>
@@ -2995,7 +3000,21 @@
           <a:p>
             <a:r>
               <a:rPr lang="en-US" altLang="ko-KR" dirty="0" err="1" smtClean="0"/>
-              <a:t>webplan</a:t>
+              <a:t>Webplan</a:t>
+            </a:r>
+            <a:endParaRPr lang="en-US" altLang="ko-KR" dirty="0" smtClean="0"/>
+          </a:p>
+          <a:p>
+            <a:endParaRPr lang="en-US" altLang="ko-KR" dirty="0"/>
+          </a:p>
+          <a:p>
+            <a:r>
+              <a:rPr lang="en-US" altLang="ko-KR" dirty="0" smtClean="0"/>
+              <a:t>2.0 </a:t>
+            </a:r>
+            <a:r>
+              <a:rPr lang="ko-KR" altLang="en-US" dirty="0" smtClean="0"/>
+              <a:t>버전</a:t>
             </a:r>
             <a:endParaRPr lang="ko-KR" altLang="en-US" dirty="0"/>
           </a:p>

--- a/화면설계.pptx
+++ b/화면설계.pptx
@@ -6,6 +6,9 @@
   </p:sldMasterIdLst>
   <p:sldIdLst>
     <p:sldId id="256" r:id="rId2"/>
+    <p:sldId id="257" r:id="rId3"/>
+    <p:sldId id="258" r:id="rId4"/>
+    <p:sldId id="259" r:id="rId5"/>
   </p:sldIdLst>
   <p:sldSz cx="12192000" cy="6858000"/>
   <p:notesSz cx="6858000" cy="9144000"/>
@@ -104,6 +107,11 @@
       </a:defRPr>
     </a:lvl9pPr>
   </p:defaultTextStyle>
+  <p:extLst>
+    <p:ext uri="{EFAFB233-063F-42B5-8137-9DF3F51BA10A}">
+      <p15:sldGuideLst xmlns:p15="http://schemas.microsoft.com/office/powerpoint/2012/main"/>
+    </p:ext>
+  </p:extLst>
 </p:presentation>
 </file>
 
@@ -238,7 +246,7 @@
           <a:p>
             <a:fld id="{2BC8A75F-3485-4572-BF1A-6D8A17ACA677}" type="datetimeFigureOut">
               <a:rPr lang="ko-KR" altLang="en-US" smtClean="0"/>
-              <a:t>2024-05-24</a:t>
+              <a:t>2024-05-27</a:t>
             </a:fld>
             <a:endParaRPr lang="ko-KR" altLang="en-US"/>
           </a:p>
@@ -408,7 +416,7 @@
           <a:p>
             <a:fld id="{2BC8A75F-3485-4572-BF1A-6D8A17ACA677}" type="datetimeFigureOut">
               <a:rPr lang="ko-KR" altLang="en-US" smtClean="0"/>
-              <a:t>2024-05-24</a:t>
+              <a:t>2024-05-27</a:t>
             </a:fld>
             <a:endParaRPr lang="ko-KR" altLang="en-US"/>
           </a:p>
@@ -588,7 +596,7 @@
           <a:p>
             <a:fld id="{2BC8A75F-3485-4572-BF1A-6D8A17ACA677}" type="datetimeFigureOut">
               <a:rPr lang="ko-KR" altLang="en-US" smtClean="0"/>
-              <a:t>2024-05-24</a:t>
+              <a:t>2024-05-27</a:t>
             </a:fld>
             <a:endParaRPr lang="ko-KR" altLang="en-US"/>
           </a:p>
@@ -758,7 +766,7 @@
           <a:p>
             <a:fld id="{2BC8A75F-3485-4572-BF1A-6D8A17ACA677}" type="datetimeFigureOut">
               <a:rPr lang="ko-KR" altLang="en-US" smtClean="0"/>
-              <a:t>2024-05-24</a:t>
+              <a:t>2024-05-27</a:t>
             </a:fld>
             <a:endParaRPr lang="ko-KR" altLang="en-US"/>
           </a:p>
@@ -1004,7 +1012,7 @@
           <a:p>
             <a:fld id="{2BC8A75F-3485-4572-BF1A-6D8A17ACA677}" type="datetimeFigureOut">
               <a:rPr lang="ko-KR" altLang="en-US" smtClean="0"/>
-              <a:t>2024-05-24</a:t>
+              <a:t>2024-05-27</a:t>
             </a:fld>
             <a:endParaRPr lang="ko-KR" altLang="en-US"/>
           </a:p>
@@ -1236,7 +1244,7 @@
           <a:p>
             <a:fld id="{2BC8A75F-3485-4572-BF1A-6D8A17ACA677}" type="datetimeFigureOut">
               <a:rPr lang="ko-KR" altLang="en-US" smtClean="0"/>
-              <a:t>2024-05-24</a:t>
+              <a:t>2024-05-27</a:t>
             </a:fld>
             <a:endParaRPr lang="ko-KR" altLang="en-US"/>
           </a:p>
@@ -1603,7 +1611,7 @@
           <a:p>
             <a:fld id="{2BC8A75F-3485-4572-BF1A-6D8A17ACA677}" type="datetimeFigureOut">
               <a:rPr lang="ko-KR" altLang="en-US" smtClean="0"/>
-              <a:t>2024-05-24</a:t>
+              <a:t>2024-05-27</a:t>
             </a:fld>
             <a:endParaRPr lang="ko-KR" altLang="en-US"/>
           </a:p>
@@ -1721,7 +1729,7 @@
           <a:p>
             <a:fld id="{2BC8A75F-3485-4572-BF1A-6D8A17ACA677}" type="datetimeFigureOut">
               <a:rPr lang="ko-KR" altLang="en-US" smtClean="0"/>
-              <a:t>2024-05-24</a:t>
+              <a:t>2024-05-27</a:t>
             </a:fld>
             <a:endParaRPr lang="ko-KR" altLang="en-US"/>
           </a:p>
@@ -1816,7 +1824,7 @@
           <a:p>
             <a:fld id="{2BC8A75F-3485-4572-BF1A-6D8A17ACA677}" type="datetimeFigureOut">
               <a:rPr lang="ko-KR" altLang="en-US" smtClean="0"/>
-              <a:t>2024-05-24</a:t>
+              <a:t>2024-05-27</a:t>
             </a:fld>
             <a:endParaRPr lang="ko-KR" altLang="en-US"/>
           </a:p>
@@ -2093,7 +2101,7 @@
           <a:p>
             <a:fld id="{2BC8A75F-3485-4572-BF1A-6D8A17ACA677}" type="datetimeFigureOut">
               <a:rPr lang="ko-KR" altLang="en-US" smtClean="0"/>
-              <a:t>2024-05-24</a:t>
+              <a:t>2024-05-27</a:t>
             </a:fld>
             <a:endParaRPr lang="ko-KR" altLang="en-US"/>
           </a:p>
@@ -2346,7 +2354,7 @@
           <a:p>
             <a:fld id="{2BC8A75F-3485-4572-BF1A-6D8A17ACA677}" type="datetimeFigureOut">
               <a:rPr lang="ko-KR" altLang="en-US" smtClean="0"/>
-              <a:t>2024-05-24</a:t>
+              <a:t>2024-05-27</a:t>
             </a:fld>
             <a:endParaRPr lang="ko-KR" altLang="en-US"/>
           </a:p>
@@ -2559,7 +2567,7 @@
           <a:p>
             <a:fld id="{2BC8A75F-3485-4572-BF1A-6D8A17ACA677}" type="datetimeFigureOut">
               <a:rPr lang="ko-KR" altLang="en-US" smtClean="0"/>
-              <a:t>2024-05-24</a:t>
+              <a:t>2024-05-27</a:t>
             </a:fld>
             <a:endParaRPr lang="ko-KR" altLang="en-US"/>
           </a:p>
@@ -3001,10 +3009,655 @@
           </a:p>
         </p:txBody>
       </p:sp>
+      <p:sp>
+        <p:nvSpPr>
+          <p:cNvPr id="3" name="TextBox 2"/>
+          <p:cNvSpPr txBox="1"/>
+          <p:nvPr/>
+        </p:nvSpPr>
+        <p:spPr>
+          <a:xfrm>
+            <a:off x="3426864" y="1264777"/>
+            <a:ext cx="1107996" cy="646331"/>
+          </a:xfrm>
+          <a:prstGeom prst="rect">
+            <a:avLst/>
+          </a:prstGeom>
+          <a:noFill/>
+        </p:spPr>
+        <p:txBody>
+          <a:bodyPr wrap="none" rtlCol="0">
+            <a:spAutoFit/>
+          </a:bodyPr>
+          <a:lstStyle/>
+          <a:p>
+            <a:r>
+              <a:rPr lang="ko-KR" altLang="en-US" dirty="0" err="1" smtClean="0"/>
+              <a:t>화면설계</a:t>
+            </a:r>
+            <a:endParaRPr lang="en-US" altLang="ko-KR" dirty="0" smtClean="0"/>
+          </a:p>
+          <a:p>
+            <a:r>
+              <a:rPr lang="en-US" altLang="ko-KR" dirty="0" err="1" smtClean="0"/>
+              <a:t>webplan</a:t>
+            </a:r>
+            <a:endParaRPr lang="ko-KR" altLang="en-US" dirty="0"/>
+          </a:p>
+        </p:txBody>
+      </p:sp>
+      <p:sp>
+        <p:nvSpPr>
+          <p:cNvPr id="5" name="TextBox 4"/>
+          <p:cNvSpPr txBox="1"/>
+          <p:nvPr/>
+        </p:nvSpPr>
+        <p:spPr>
+          <a:xfrm>
+            <a:off x="6144427" y="1196410"/>
+            <a:ext cx="1107996" cy="646331"/>
+          </a:xfrm>
+          <a:prstGeom prst="rect">
+            <a:avLst/>
+          </a:prstGeom>
+          <a:noFill/>
+        </p:spPr>
+        <p:txBody>
+          <a:bodyPr wrap="none" rtlCol="0">
+            <a:spAutoFit/>
+          </a:bodyPr>
+          <a:lstStyle/>
+          <a:p>
+            <a:r>
+              <a:rPr lang="ko-KR" altLang="en-US" dirty="0" err="1" smtClean="0"/>
+              <a:t>화면설계</a:t>
+            </a:r>
+            <a:endParaRPr lang="en-US" altLang="ko-KR" dirty="0" smtClean="0"/>
+          </a:p>
+          <a:p>
+            <a:r>
+              <a:rPr lang="en-US" altLang="ko-KR" dirty="0" err="1" smtClean="0"/>
+              <a:t>webplan</a:t>
+            </a:r>
+            <a:endParaRPr lang="ko-KR" altLang="en-US" dirty="0"/>
+          </a:p>
+        </p:txBody>
+      </p:sp>
+      <p:sp>
+        <p:nvSpPr>
+          <p:cNvPr id="6" name="TextBox 5"/>
+          <p:cNvSpPr txBox="1"/>
+          <p:nvPr/>
+        </p:nvSpPr>
+        <p:spPr>
+          <a:xfrm>
+            <a:off x="8588524" y="1196410"/>
+            <a:ext cx="1107996" cy="646331"/>
+          </a:xfrm>
+          <a:prstGeom prst="rect">
+            <a:avLst/>
+          </a:prstGeom>
+          <a:noFill/>
+        </p:spPr>
+        <p:txBody>
+          <a:bodyPr wrap="none" rtlCol="0">
+            <a:spAutoFit/>
+          </a:bodyPr>
+          <a:lstStyle/>
+          <a:p>
+            <a:r>
+              <a:rPr lang="ko-KR" altLang="en-US" dirty="0" err="1" smtClean="0"/>
+              <a:t>화면설계</a:t>
+            </a:r>
+            <a:endParaRPr lang="en-US" altLang="ko-KR" dirty="0" smtClean="0"/>
+          </a:p>
+          <a:p>
+            <a:r>
+              <a:rPr lang="en-US" altLang="ko-KR" dirty="0" err="1" smtClean="0"/>
+              <a:t>webplan</a:t>
+            </a:r>
+            <a:endParaRPr lang="ko-KR" altLang="en-US" dirty="0"/>
+          </a:p>
+        </p:txBody>
+      </p:sp>
     </p:spTree>
     <p:extLst>
       <p:ext uri="{BB962C8B-B14F-4D97-AF65-F5344CB8AC3E}">
         <p14:creationId xmlns:p14="http://schemas.microsoft.com/office/powerpoint/2010/main" val="2832578686"/>
+      </p:ext>
+    </p:extLst>
+  </p:cSld>
+  <p:clrMapOvr>
+    <a:masterClrMapping/>
+  </p:clrMapOvr>
+</p:sld>
+</file>
+
+<file path=ppt/slides/slide2.xml><?xml version="1.0" encoding="utf-8"?>
+<p:sld xmlns:a="http://schemas.openxmlformats.org/drawingml/2006/main" xmlns:r="http://schemas.openxmlformats.org/officeDocument/2006/relationships" xmlns:p="http://schemas.openxmlformats.org/presentationml/2006/main">
+  <p:cSld>
+    <p:spTree>
+      <p:nvGrpSpPr>
+        <p:cNvPr id="1" name=""/>
+        <p:cNvGrpSpPr/>
+        <p:nvPr/>
+      </p:nvGrpSpPr>
+      <p:grpSpPr>
+        <a:xfrm>
+          <a:off x="0" y="0"/>
+          <a:ext cx="0" cy="0"/>
+          <a:chOff x="0" y="0"/>
+          <a:chExt cx="0" cy="0"/>
+        </a:xfrm>
+      </p:grpSpPr>
+      <p:sp>
+        <p:nvSpPr>
+          <p:cNvPr id="4" name="TextBox 3"/>
+          <p:cNvSpPr txBox="1"/>
+          <p:nvPr/>
+        </p:nvSpPr>
+        <p:spPr>
+          <a:xfrm>
+            <a:off x="709301" y="1264778"/>
+            <a:ext cx="1107996" cy="646331"/>
+          </a:xfrm>
+          <a:prstGeom prst="rect">
+            <a:avLst/>
+          </a:prstGeom>
+          <a:noFill/>
+        </p:spPr>
+        <p:txBody>
+          <a:bodyPr wrap="none" rtlCol="0">
+            <a:spAutoFit/>
+          </a:bodyPr>
+          <a:lstStyle/>
+          <a:p>
+            <a:r>
+              <a:rPr lang="ko-KR" altLang="en-US" dirty="0" err="1" smtClean="0"/>
+              <a:t>화면설계</a:t>
+            </a:r>
+            <a:endParaRPr lang="en-US" altLang="ko-KR" dirty="0" smtClean="0"/>
+          </a:p>
+          <a:p>
+            <a:r>
+              <a:rPr lang="en-US" altLang="ko-KR" dirty="0" err="1" smtClean="0"/>
+              <a:t>webplan</a:t>
+            </a:r>
+            <a:endParaRPr lang="ko-KR" altLang="en-US" dirty="0"/>
+          </a:p>
+        </p:txBody>
+      </p:sp>
+      <p:sp>
+        <p:nvSpPr>
+          <p:cNvPr id="3" name="TextBox 2"/>
+          <p:cNvSpPr txBox="1"/>
+          <p:nvPr/>
+        </p:nvSpPr>
+        <p:spPr>
+          <a:xfrm>
+            <a:off x="3426864" y="1264777"/>
+            <a:ext cx="1107996" cy="646331"/>
+          </a:xfrm>
+          <a:prstGeom prst="rect">
+            <a:avLst/>
+          </a:prstGeom>
+          <a:noFill/>
+        </p:spPr>
+        <p:txBody>
+          <a:bodyPr wrap="none" rtlCol="0">
+            <a:spAutoFit/>
+          </a:bodyPr>
+          <a:lstStyle/>
+          <a:p>
+            <a:r>
+              <a:rPr lang="ko-KR" altLang="en-US" dirty="0" err="1" smtClean="0"/>
+              <a:t>화면설계</a:t>
+            </a:r>
+            <a:endParaRPr lang="en-US" altLang="ko-KR" dirty="0" smtClean="0"/>
+          </a:p>
+          <a:p>
+            <a:r>
+              <a:rPr lang="en-US" altLang="ko-KR" dirty="0" err="1" smtClean="0"/>
+              <a:t>webplan</a:t>
+            </a:r>
+            <a:endParaRPr lang="ko-KR" altLang="en-US" dirty="0"/>
+          </a:p>
+        </p:txBody>
+      </p:sp>
+      <p:sp>
+        <p:nvSpPr>
+          <p:cNvPr id="5" name="TextBox 4"/>
+          <p:cNvSpPr txBox="1"/>
+          <p:nvPr/>
+        </p:nvSpPr>
+        <p:spPr>
+          <a:xfrm>
+            <a:off x="6144427" y="1196410"/>
+            <a:ext cx="1107996" cy="646331"/>
+          </a:xfrm>
+          <a:prstGeom prst="rect">
+            <a:avLst/>
+          </a:prstGeom>
+          <a:noFill/>
+        </p:spPr>
+        <p:txBody>
+          <a:bodyPr wrap="none" rtlCol="0">
+            <a:spAutoFit/>
+          </a:bodyPr>
+          <a:lstStyle/>
+          <a:p>
+            <a:r>
+              <a:rPr lang="ko-KR" altLang="en-US" dirty="0" err="1" smtClean="0"/>
+              <a:t>화면설계</a:t>
+            </a:r>
+            <a:endParaRPr lang="en-US" altLang="ko-KR" dirty="0" smtClean="0"/>
+          </a:p>
+          <a:p>
+            <a:r>
+              <a:rPr lang="en-US" altLang="ko-KR" dirty="0" err="1" smtClean="0"/>
+              <a:t>webplan</a:t>
+            </a:r>
+            <a:endParaRPr lang="ko-KR" altLang="en-US" dirty="0"/>
+          </a:p>
+        </p:txBody>
+      </p:sp>
+      <p:sp>
+        <p:nvSpPr>
+          <p:cNvPr id="6" name="TextBox 5"/>
+          <p:cNvSpPr txBox="1"/>
+          <p:nvPr/>
+        </p:nvSpPr>
+        <p:spPr>
+          <a:xfrm>
+            <a:off x="8588524" y="1196410"/>
+            <a:ext cx="1107996" cy="646331"/>
+          </a:xfrm>
+          <a:prstGeom prst="rect">
+            <a:avLst/>
+          </a:prstGeom>
+          <a:noFill/>
+        </p:spPr>
+        <p:txBody>
+          <a:bodyPr wrap="none" rtlCol="0">
+            <a:spAutoFit/>
+          </a:bodyPr>
+          <a:lstStyle/>
+          <a:p>
+            <a:r>
+              <a:rPr lang="ko-KR" altLang="en-US" dirty="0" err="1" smtClean="0"/>
+              <a:t>화면설계</a:t>
+            </a:r>
+            <a:endParaRPr lang="en-US" altLang="ko-KR" dirty="0" smtClean="0"/>
+          </a:p>
+          <a:p>
+            <a:r>
+              <a:rPr lang="en-US" altLang="ko-KR" dirty="0" err="1" smtClean="0"/>
+              <a:t>webplan</a:t>
+            </a:r>
+            <a:endParaRPr lang="ko-KR" altLang="en-US" dirty="0"/>
+          </a:p>
+        </p:txBody>
+      </p:sp>
+    </p:spTree>
+    <p:extLst>
+      <p:ext uri="{BB962C8B-B14F-4D97-AF65-F5344CB8AC3E}">
+        <p14:creationId xmlns:p14="http://schemas.microsoft.com/office/powerpoint/2010/main" val="993008336"/>
+      </p:ext>
+    </p:extLst>
+  </p:cSld>
+  <p:clrMapOvr>
+    <a:masterClrMapping/>
+  </p:clrMapOvr>
+</p:sld>
+</file>
+
+<file path=ppt/slides/slide3.xml><?xml version="1.0" encoding="utf-8"?>
+<p:sld xmlns:a="http://schemas.openxmlformats.org/drawingml/2006/main" xmlns:r="http://schemas.openxmlformats.org/officeDocument/2006/relationships" xmlns:p="http://schemas.openxmlformats.org/presentationml/2006/main">
+  <p:cSld>
+    <p:spTree>
+      <p:nvGrpSpPr>
+        <p:cNvPr id="1" name=""/>
+        <p:cNvGrpSpPr/>
+        <p:nvPr/>
+      </p:nvGrpSpPr>
+      <p:grpSpPr>
+        <a:xfrm>
+          <a:off x="0" y="0"/>
+          <a:ext cx="0" cy="0"/>
+          <a:chOff x="0" y="0"/>
+          <a:chExt cx="0" cy="0"/>
+        </a:xfrm>
+      </p:grpSpPr>
+      <p:sp>
+        <p:nvSpPr>
+          <p:cNvPr id="4" name="TextBox 3"/>
+          <p:cNvSpPr txBox="1"/>
+          <p:nvPr/>
+        </p:nvSpPr>
+        <p:spPr>
+          <a:xfrm>
+            <a:off x="709301" y="1264778"/>
+            <a:ext cx="1107996" cy="646331"/>
+          </a:xfrm>
+          <a:prstGeom prst="rect">
+            <a:avLst/>
+          </a:prstGeom>
+          <a:noFill/>
+        </p:spPr>
+        <p:txBody>
+          <a:bodyPr wrap="none" rtlCol="0">
+            <a:spAutoFit/>
+          </a:bodyPr>
+          <a:lstStyle/>
+          <a:p>
+            <a:r>
+              <a:rPr lang="ko-KR" altLang="en-US" dirty="0" err="1" smtClean="0"/>
+              <a:t>화면설계</a:t>
+            </a:r>
+            <a:endParaRPr lang="en-US" altLang="ko-KR" dirty="0" smtClean="0"/>
+          </a:p>
+          <a:p>
+            <a:r>
+              <a:rPr lang="en-US" altLang="ko-KR" dirty="0" err="1" smtClean="0"/>
+              <a:t>webplan</a:t>
+            </a:r>
+            <a:endParaRPr lang="ko-KR" altLang="en-US" dirty="0"/>
+          </a:p>
+        </p:txBody>
+      </p:sp>
+      <p:sp>
+        <p:nvSpPr>
+          <p:cNvPr id="3" name="TextBox 2"/>
+          <p:cNvSpPr txBox="1"/>
+          <p:nvPr/>
+        </p:nvSpPr>
+        <p:spPr>
+          <a:xfrm>
+            <a:off x="3426864" y="1264777"/>
+            <a:ext cx="1107996" cy="646331"/>
+          </a:xfrm>
+          <a:prstGeom prst="rect">
+            <a:avLst/>
+          </a:prstGeom>
+          <a:noFill/>
+        </p:spPr>
+        <p:txBody>
+          <a:bodyPr wrap="none" rtlCol="0">
+            <a:spAutoFit/>
+          </a:bodyPr>
+          <a:lstStyle/>
+          <a:p>
+            <a:r>
+              <a:rPr lang="ko-KR" altLang="en-US" dirty="0" err="1" smtClean="0"/>
+              <a:t>화면설계</a:t>
+            </a:r>
+            <a:endParaRPr lang="en-US" altLang="ko-KR" dirty="0" smtClean="0"/>
+          </a:p>
+          <a:p>
+            <a:r>
+              <a:rPr lang="en-US" altLang="ko-KR" dirty="0" err="1" smtClean="0"/>
+              <a:t>webplan</a:t>
+            </a:r>
+            <a:endParaRPr lang="ko-KR" altLang="en-US" dirty="0"/>
+          </a:p>
+        </p:txBody>
+      </p:sp>
+      <p:sp>
+        <p:nvSpPr>
+          <p:cNvPr id="5" name="TextBox 4"/>
+          <p:cNvSpPr txBox="1"/>
+          <p:nvPr/>
+        </p:nvSpPr>
+        <p:spPr>
+          <a:xfrm>
+            <a:off x="6144427" y="1196410"/>
+            <a:ext cx="1107996" cy="646331"/>
+          </a:xfrm>
+          <a:prstGeom prst="rect">
+            <a:avLst/>
+          </a:prstGeom>
+          <a:noFill/>
+        </p:spPr>
+        <p:txBody>
+          <a:bodyPr wrap="none" rtlCol="0">
+            <a:spAutoFit/>
+          </a:bodyPr>
+          <a:lstStyle/>
+          <a:p>
+            <a:r>
+              <a:rPr lang="ko-KR" altLang="en-US" dirty="0" err="1" smtClean="0"/>
+              <a:t>화면설계</a:t>
+            </a:r>
+            <a:endParaRPr lang="en-US" altLang="ko-KR" dirty="0" smtClean="0"/>
+          </a:p>
+          <a:p>
+            <a:r>
+              <a:rPr lang="en-US" altLang="ko-KR" dirty="0" err="1" smtClean="0"/>
+              <a:t>webplan</a:t>
+            </a:r>
+            <a:endParaRPr lang="ko-KR" altLang="en-US" dirty="0"/>
+          </a:p>
+        </p:txBody>
+      </p:sp>
+      <p:sp>
+        <p:nvSpPr>
+          <p:cNvPr id="6" name="TextBox 5"/>
+          <p:cNvSpPr txBox="1"/>
+          <p:nvPr/>
+        </p:nvSpPr>
+        <p:spPr>
+          <a:xfrm>
+            <a:off x="8588524" y="1196410"/>
+            <a:ext cx="1107996" cy="646331"/>
+          </a:xfrm>
+          <a:prstGeom prst="rect">
+            <a:avLst/>
+          </a:prstGeom>
+          <a:noFill/>
+        </p:spPr>
+        <p:txBody>
+          <a:bodyPr wrap="none" rtlCol="0">
+            <a:spAutoFit/>
+          </a:bodyPr>
+          <a:lstStyle/>
+          <a:p>
+            <a:r>
+              <a:rPr lang="ko-KR" altLang="en-US" dirty="0" err="1" smtClean="0"/>
+              <a:t>화면설계</a:t>
+            </a:r>
+            <a:endParaRPr lang="en-US" altLang="ko-KR" dirty="0" smtClean="0"/>
+          </a:p>
+          <a:p>
+            <a:r>
+              <a:rPr lang="en-US" altLang="ko-KR" dirty="0" err="1" smtClean="0"/>
+              <a:t>webplan</a:t>
+            </a:r>
+            <a:endParaRPr lang="ko-KR" altLang="en-US" dirty="0"/>
+          </a:p>
+        </p:txBody>
+      </p:sp>
+    </p:spTree>
+    <p:extLst>
+      <p:ext uri="{BB962C8B-B14F-4D97-AF65-F5344CB8AC3E}">
+        <p14:creationId xmlns:p14="http://schemas.microsoft.com/office/powerpoint/2010/main" val="3848996999"/>
+      </p:ext>
+    </p:extLst>
+  </p:cSld>
+  <p:clrMapOvr>
+    <a:masterClrMapping/>
+  </p:clrMapOvr>
+</p:sld>
+</file>
+
+<file path=ppt/slides/slide4.xml><?xml version="1.0" encoding="utf-8"?>
+<p:sld xmlns:a="http://schemas.openxmlformats.org/drawingml/2006/main" xmlns:r="http://schemas.openxmlformats.org/officeDocument/2006/relationships" xmlns:p="http://schemas.openxmlformats.org/presentationml/2006/main">
+  <p:cSld>
+    <p:spTree>
+      <p:nvGrpSpPr>
+        <p:cNvPr id="1" name=""/>
+        <p:cNvGrpSpPr/>
+        <p:nvPr/>
+      </p:nvGrpSpPr>
+      <p:grpSpPr>
+        <a:xfrm>
+          <a:off x="0" y="0"/>
+          <a:ext cx="0" cy="0"/>
+          <a:chOff x="0" y="0"/>
+          <a:chExt cx="0" cy="0"/>
+        </a:xfrm>
+      </p:grpSpPr>
+      <p:sp>
+        <p:nvSpPr>
+          <p:cNvPr id="4" name="TextBox 3"/>
+          <p:cNvSpPr txBox="1"/>
+          <p:nvPr/>
+        </p:nvSpPr>
+        <p:spPr>
+          <a:xfrm>
+            <a:off x="709301" y="1264778"/>
+            <a:ext cx="1107996" cy="646331"/>
+          </a:xfrm>
+          <a:prstGeom prst="rect">
+            <a:avLst/>
+          </a:prstGeom>
+          <a:noFill/>
+        </p:spPr>
+        <p:txBody>
+          <a:bodyPr wrap="none" rtlCol="0">
+            <a:spAutoFit/>
+          </a:bodyPr>
+          <a:lstStyle/>
+          <a:p>
+            <a:r>
+              <a:rPr lang="ko-KR" altLang="en-US" dirty="0" err="1" smtClean="0"/>
+              <a:t>화면설계</a:t>
+            </a:r>
+            <a:endParaRPr lang="en-US" altLang="ko-KR" dirty="0" smtClean="0"/>
+          </a:p>
+          <a:p>
+            <a:r>
+              <a:rPr lang="en-US" altLang="ko-KR" dirty="0" err="1" smtClean="0"/>
+              <a:t>webplan</a:t>
+            </a:r>
+            <a:endParaRPr lang="ko-KR" altLang="en-US" dirty="0"/>
+          </a:p>
+        </p:txBody>
+      </p:sp>
+      <p:sp>
+        <p:nvSpPr>
+          <p:cNvPr id="3" name="TextBox 2"/>
+          <p:cNvSpPr txBox="1"/>
+          <p:nvPr/>
+        </p:nvSpPr>
+        <p:spPr>
+          <a:xfrm>
+            <a:off x="3426864" y="1264777"/>
+            <a:ext cx="1107996" cy="646331"/>
+          </a:xfrm>
+          <a:prstGeom prst="rect">
+            <a:avLst/>
+          </a:prstGeom>
+          <a:noFill/>
+        </p:spPr>
+        <p:txBody>
+          <a:bodyPr wrap="none" rtlCol="0">
+            <a:spAutoFit/>
+          </a:bodyPr>
+          <a:lstStyle/>
+          <a:p>
+            <a:r>
+              <a:rPr lang="ko-KR" altLang="en-US" dirty="0" err="1" smtClean="0"/>
+              <a:t>화면설계</a:t>
+            </a:r>
+            <a:endParaRPr lang="en-US" altLang="ko-KR" dirty="0" smtClean="0"/>
+          </a:p>
+          <a:p>
+            <a:r>
+              <a:rPr lang="en-US" altLang="ko-KR" dirty="0" err="1" smtClean="0"/>
+              <a:t>webplan</a:t>
+            </a:r>
+            <a:endParaRPr lang="ko-KR" altLang="en-US" dirty="0"/>
+          </a:p>
+        </p:txBody>
+      </p:sp>
+      <p:sp>
+        <p:nvSpPr>
+          <p:cNvPr id="5" name="TextBox 4"/>
+          <p:cNvSpPr txBox="1"/>
+          <p:nvPr/>
+        </p:nvSpPr>
+        <p:spPr>
+          <a:xfrm>
+            <a:off x="6144427" y="1196410"/>
+            <a:ext cx="1107996" cy="646331"/>
+          </a:xfrm>
+          <a:prstGeom prst="rect">
+            <a:avLst/>
+          </a:prstGeom>
+          <a:noFill/>
+        </p:spPr>
+        <p:txBody>
+          <a:bodyPr wrap="none" rtlCol="0">
+            <a:spAutoFit/>
+          </a:bodyPr>
+          <a:lstStyle/>
+          <a:p>
+            <a:r>
+              <a:rPr lang="ko-KR" altLang="en-US" dirty="0" err="1" smtClean="0"/>
+              <a:t>화면설계</a:t>
+            </a:r>
+            <a:endParaRPr lang="en-US" altLang="ko-KR" dirty="0" smtClean="0"/>
+          </a:p>
+          <a:p>
+            <a:r>
+              <a:rPr lang="en-US" altLang="ko-KR" dirty="0" err="1" smtClean="0"/>
+              <a:t>webplan</a:t>
+            </a:r>
+            <a:endParaRPr lang="ko-KR" altLang="en-US" dirty="0"/>
+          </a:p>
+        </p:txBody>
+      </p:sp>
+      <p:sp>
+        <p:nvSpPr>
+          <p:cNvPr id="6" name="TextBox 5"/>
+          <p:cNvSpPr txBox="1"/>
+          <p:nvPr/>
+        </p:nvSpPr>
+        <p:spPr>
+          <a:xfrm>
+            <a:off x="8588524" y="1196410"/>
+            <a:ext cx="1107996" cy="646331"/>
+          </a:xfrm>
+          <a:prstGeom prst="rect">
+            <a:avLst/>
+          </a:prstGeom>
+          <a:noFill/>
+        </p:spPr>
+        <p:txBody>
+          <a:bodyPr wrap="none" rtlCol="0">
+            <a:spAutoFit/>
+          </a:bodyPr>
+          <a:lstStyle/>
+          <a:p>
+            <a:r>
+              <a:rPr lang="ko-KR" altLang="en-US" dirty="0" err="1" smtClean="0"/>
+              <a:t>화면설계</a:t>
+            </a:r>
+            <a:endParaRPr lang="en-US" altLang="ko-KR" dirty="0" smtClean="0"/>
+          </a:p>
+          <a:p>
+            <a:r>
+              <a:rPr lang="en-US" altLang="ko-KR" dirty="0" err="1" smtClean="0"/>
+              <a:t>webplan</a:t>
+            </a:r>
+            <a:endParaRPr lang="ko-KR" altLang="en-US" dirty="0"/>
+          </a:p>
+        </p:txBody>
+      </p:sp>
+    </p:spTree>
+    <p:extLst>
+      <p:ext uri="{BB962C8B-B14F-4D97-AF65-F5344CB8AC3E}">
+        <p14:creationId xmlns:p14="http://schemas.microsoft.com/office/powerpoint/2010/main" val="720114818"/>
       </p:ext>
     </p:extLst>
   </p:cSld>

--- a/화면설계.pptx
+++ b/화면설계.pptx
@@ -3120,6 +3120,50 @@
           </a:p>
         </p:txBody>
       </p:sp>
+      <p:sp>
+        <p:nvSpPr>
+          <p:cNvPr id="2" name="직사각형 1"/>
+          <p:cNvSpPr/>
+          <p:nvPr/>
+        </p:nvSpPr>
+        <p:spPr>
+          <a:xfrm>
+            <a:off x="2221907" y="1025495"/>
+            <a:ext cx="7127192" cy="4819828"/>
+          </a:xfrm>
+          <a:prstGeom prst="rect">
+            <a:avLst/>
+          </a:prstGeom>
+        </p:spPr>
+        <p:style>
+          <a:lnRef idx="2">
+            <a:schemeClr val="accent1">
+              <a:shade val="50000"/>
+            </a:schemeClr>
+          </a:lnRef>
+          <a:fillRef idx="1">
+            <a:schemeClr val="accent1"/>
+          </a:fillRef>
+          <a:effectRef idx="0">
+            <a:schemeClr val="accent1"/>
+          </a:effectRef>
+          <a:fontRef idx="minor">
+            <a:schemeClr val="lt1"/>
+          </a:fontRef>
+        </p:style>
+        <p:txBody>
+          <a:bodyPr rtlCol="0" anchor="ctr"/>
+          <a:lstStyle/>
+          <a:p>
+            <a:pPr algn="ctr"/>
+            <a:r>
+              <a:rPr lang="ko-KR" altLang="en-US" dirty="0" smtClean="0"/>
+              <a:t>간편회원가입 설계 추가</a:t>
+            </a:r>
+            <a:endParaRPr lang="ko-KR" altLang="en-US" dirty="0"/>
+          </a:p>
+        </p:txBody>
+      </p:sp>
     </p:spTree>
     <p:extLst>
       <p:ext uri="{BB962C8B-B14F-4D97-AF65-F5344CB8AC3E}">

--- a/화면설계.pptx
+++ b/화면설계.pptx
@@ -3158,7 +3158,27 @@
             <a:pPr algn="ctr"/>
             <a:r>
               <a:rPr lang="ko-KR" altLang="en-US" dirty="0" smtClean="0"/>
-              <a:t>간편회원가입 설계 추가</a:t>
+              <a:t>간편회원가입 설계 </a:t>
+            </a:r>
+            <a:r>
+              <a:rPr lang="ko-KR" altLang="en-US" dirty="0" smtClean="0"/>
+              <a:t>추가</a:t>
+            </a:r>
+            <a:endParaRPr lang="en-US" altLang="ko-KR" dirty="0" smtClean="0"/>
+          </a:p>
+          <a:p>
+            <a:pPr algn="ctr"/>
+            <a:endParaRPr lang="en-US" altLang="ko-KR" dirty="0"/>
+          </a:p>
+          <a:p>
+            <a:pPr algn="ctr"/>
+            <a:r>
+              <a:rPr lang="ko-KR" altLang="en-US" dirty="0" smtClean="0"/>
+              <a:t>추가 </a:t>
+            </a:r>
+            <a:r>
+              <a:rPr lang="en-US" altLang="ko-KR" dirty="0" smtClean="0"/>
+              <a:t>GUI</a:t>
             </a:r>
             <a:endParaRPr lang="ko-KR" altLang="en-US" dirty="0"/>
           </a:p>
